--- a/en/examples/05/_images/05_DbFileManagementUtil.pptx
+++ b/en/examples/05/_images/05_DbFileManagementUtil.pptx
@@ -136,6 +136,22 @@
       </a:defRPr>
     </a:lvl9pPr>
   </p:defaultTextStyle>
+  <p:extLst>
+    <p:ext uri="{EFAFB233-063F-42B5-8137-9DF3F51BA10A}">
+      <p15:sldGuideLst xmlns:p15="http://schemas.microsoft.com/office/powerpoint/2012/main">
+        <p15:guide id="1" orient="horz" pos="2160">
+          <p15:clr>
+            <a:srgbClr val="A4A3A4"/>
+          </p15:clr>
+        </p15:guide>
+        <p15:guide id="2" pos="2880">
+          <p15:clr>
+            <a:srgbClr val="A4A3A4"/>
+          </p15:clr>
+        </p15:guide>
+      </p15:sldGuideLst>
+    </p:ext>
+  </p:extLst>
 </p:presentation>
 </file>
 
@@ -177,10 +193,9 @@
           <a:lstStyle/>
           <a:p>
             <a:r>
-              <a:rPr lang="ja-JP" altLang="en-US" smtClean="0"/>
+              <a:rPr lang="ja-JP" altLang="en-US"/>
               <a:t>マスター タイトルの書式設定</a:t>
             </a:r>
-            <a:endParaRPr lang="ja-JP" altLang="en-US"/>
           </a:p>
         </p:txBody>
       </p:sp>
@@ -296,10 +311,9 @@
           </a:lstStyle>
           <a:p>
             <a:r>
-              <a:rPr lang="ja-JP" altLang="en-US" smtClean="0"/>
+              <a:rPr lang="ja-JP" altLang="en-US"/>
               <a:t>マスター サブタイトルの書式設定</a:t>
             </a:r>
-            <a:endParaRPr lang="ja-JP" altLang="en-US"/>
           </a:p>
         </p:txBody>
       </p:sp>
@@ -330,7 +344,7 @@
               <a:pPr>
                 <a:defRPr/>
               </a:pPr>
-              <a:t>2016/7/20</a:t>
+              <a:t>2020/7/16</a:t>
             </a:fld>
             <a:endParaRPr lang="ja-JP" altLang="en-US"/>
           </a:p>
@@ -389,7 +403,7 @@
               <a:pPr>
                 <a:defRPr/>
               </a:pPr>
-              <a:t>&lt;#&gt;</a:t>
+              <a:t>‹#›</a:t>
             </a:fld>
             <a:endParaRPr lang="ja-JP" altLang="en-US"/>
           </a:p>
@@ -436,10 +450,9 @@
           <a:lstStyle/>
           <a:p>
             <a:r>
-              <a:rPr lang="ja-JP" altLang="en-US" smtClean="0"/>
+              <a:rPr lang="ja-JP" altLang="en-US"/>
               <a:t>マスター タイトルの書式設定</a:t>
             </a:r>
-            <a:endParaRPr lang="ja-JP" altLang="en-US"/>
           </a:p>
         </p:txBody>
       </p:sp>
@@ -460,70 +473,69 @@
           <a:p>
             <a:pPr lvl="0"/>
             <a:r>
-              <a:rPr lang="ja-JP" altLang="en-US" smtClean="0"/>
+              <a:rPr lang="ja-JP" altLang="en-US"/>
               <a:t>マスター テキストの書式設定</a:t>
             </a:r>
           </a:p>
           <a:p>
             <a:pPr lvl="1"/>
             <a:r>
-              <a:rPr lang="ja-JP" altLang="en-US" smtClean="0"/>
+              <a:rPr lang="ja-JP" altLang="en-US"/>
               <a:t>第 </a:t>
             </a:r>
             <a:r>
-              <a:rPr lang="en-US" altLang="ja-JP" smtClean="0"/>
+              <a:rPr lang="en-US" altLang="ja-JP"/>
               <a:t>2 </a:t>
             </a:r>
             <a:r>
-              <a:rPr lang="ja-JP" altLang="en-US" smtClean="0"/>
+              <a:rPr lang="ja-JP" altLang="en-US"/>
               <a:t>レベル</a:t>
             </a:r>
           </a:p>
           <a:p>
             <a:pPr lvl="2"/>
             <a:r>
-              <a:rPr lang="ja-JP" altLang="en-US" smtClean="0"/>
+              <a:rPr lang="ja-JP" altLang="en-US"/>
               <a:t>第 </a:t>
             </a:r>
             <a:r>
-              <a:rPr lang="en-US" altLang="ja-JP" smtClean="0"/>
+              <a:rPr lang="en-US" altLang="ja-JP"/>
               <a:t>3 </a:t>
             </a:r>
             <a:r>
-              <a:rPr lang="ja-JP" altLang="en-US" smtClean="0"/>
+              <a:rPr lang="ja-JP" altLang="en-US"/>
               <a:t>レベル</a:t>
             </a:r>
           </a:p>
           <a:p>
             <a:pPr lvl="3"/>
             <a:r>
-              <a:rPr lang="ja-JP" altLang="en-US" smtClean="0"/>
+              <a:rPr lang="ja-JP" altLang="en-US"/>
               <a:t>第 </a:t>
             </a:r>
             <a:r>
-              <a:rPr lang="en-US" altLang="ja-JP" smtClean="0"/>
+              <a:rPr lang="en-US" altLang="ja-JP"/>
               <a:t>4 </a:t>
             </a:r>
             <a:r>
-              <a:rPr lang="ja-JP" altLang="en-US" smtClean="0"/>
+              <a:rPr lang="ja-JP" altLang="en-US"/>
               <a:t>レベル</a:t>
             </a:r>
           </a:p>
           <a:p>
             <a:pPr lvl="4"/>
             <a:r>
-              <a:rPr lang="ja-JP" altLang="en-US" smtClean="0"/>
+              <a:rPr lang="ja-JP" altLang="en-US"/>
               <a:t>第 </a:t>
             </a:r>
             <a:r>
-              <a:rPr lang="en-US" altLang="ja-JP" smtClean="0"/>
+              <a:rPr lang="en-US" altLang="ja-JP"/>
               <a:t>5 </a:t>
             </a:r>
             <a:r>
-              <a:rPr lang="ja-JP" altLang="en-US" smtClean="0"/>
+              <a:rPr lang="ja-JP" altLang="en-US"/>
               <a:t>レベル</a:t>
             </a:r>
-            <a:endParaRPr lang="ja-JP" altLang="en-US"/>
           </a:p>
         </p:txBody>
       </p:sp>
@@ -554,7 +566,7 @@
               <a:pPr>
                 <a:defRPr/>
               </a:pPr>
-              <a:t>2016/7/20</a:t>
+              <a:t>2020/7/16</a:t>
             </a:fld>
             <a:endParaRPr lang="ja-JP" altLang="en-US"/>
           </a:p>
@@ -613,7 +625,7 @@
               <a:pPr>
                 <a:defRPr/>
               </a:pPr>
-              <a:t>&lt;#&gt;</a:t>
+              <a:t>‹#›</a:t>
             </a:fld>
             <a:endParaRPr lang="ja-JP" altLang="en-US"/>
           </a:p>
@@ -665,10 +677,9 @@
           <a:lstStyle/>
           <a:p>
             <a:r>
-              <a:rPr lang="ja-JP" altLang="en-US" smtClean="0"/>
+              <a:rPr lang="ja-JP" altLang="en-US"/>
               <a:t>マスター タイトルの書式設定</a:t>
             </a:r>
-            <a:endParaRPr lang="ja-JP" altLang="en-US"/>
           </a:p>
         </p:txBody>
       </p:sp>
@@ -694,70 +705,69 @@
           <a:p>
             <a:pPr lvl="0"/>
             <a:r>
-              <a:rPr lang="ja-JP" altLang="en-US" smtClean="0"/>
+              <a:rPr lang="ja-JP" altLang="en-US"/>
               <a:t>マスター テキストの書式設定</a:t>
             </a:r>
           </a:p>
           <a:p>
             <a:pPr lvl="1"/>
             <a:r>
-              <a:rPr lang="ja-JP" altLang="en-US" smtClean="0"/>
+              <a:rPr lang="ja-JP" altLang="en-US"/>
               <a:t>第 </a:t>
             </a:r>
             <a:r>
-              <a:rPr lang="en-US" altLang="ja-JP" smtClean="0"/>
+              <a:rPr lang="en-US" altLang="ja-JP"/>
               <a:t>2 </a:t>
             </a:r>
             <a:r>
-              <a:rPr lang="ja-JP" altLang="en-US" smtClean="0"/>
+              <a:rPr lang="ja-JP" altLang="en-US"/>
               <a:t>レベル</a:t>
             </a:r>
           </a:p>
           <a:p>
             <a:pPr lvl="2"/>
             <a:r>
-              <a:rPr lang="ja-JP" altLang="en-US" smtClean="0"/>
+              <a:rPr lang="ja-JP" altLang="en-US"/>
               <a:t>第 </a:t>
             </a:r>
             <a:r>
-              <a:rPr lang="en-US" altLang="ja-JP" smtClean="0"/>
+              <a:rPr lang="en-US" altLang="ja-JP"/>
               <a:t>3 </a:t>
             </a:r>
             <a:r>
-              <a:rPr lang="ja-JP" altLang="en-US" smtClean="0"/>
+              <a:rPr lang="ja-JP" altLang="en-US"/>
               <a:t>レベル</a:t>
             </a:r>
           </a:p>
           <a:p>
             <a:pPr lvl="3"/>
             <a:r>
-              <a:rPr lang="ja-JP" altLang="en-US" smtClean="0"/>
+              <a:rPr lang="ja-JP" altLang="en-US"/>
               <a:t>第 </a:t>
             </a:r>
             <a:r>
-              <a:rPr lang="en-US" altLang="ja-JP" smtClean="0"/>
+              <a:rPr lang="en-US" altLang="ja-JP"/>
               <a:t>4 </a:t>
             </a:r>
             <a:r>
-              <a:rPr lang="ja-JP" altLang="en-US" smtClean="0"/>
+              <a:rPr lang="ja-JP" altLang="en-US"/>
               <a:t>レベル</a:t>
             </a:r>
           </a:p>
           <a:p>
             <a:pPr lvl="4"/>
             <a:r>
-              <a:rPr lang="ja-JP" altLang="en-US" smtClean="0"/>
+              <a:rPr lang="ja-JP" altLang="en-US"/>
               <a:t>第 </a:t>
             </a:r>
             <a:r>
-              <a:rPr lang="en-US" altLang="ja-JP" smtClean="0"/>
+              <a:rPr lang="en-US" altLang="ja-JP"/>
               <a:t>5 </a:t>
             </a:r>
             <a:r>
-              <a:rPr lang="ja-JP" altLang="en-US" smtClean="0"/>
+              <a:rPr lang="ja-JP" altLang="en-US"/>
               <a:t>レベル</a:t>
             </a:r>
-            <a:endParaRPr lang="ja-JP" altLang="en-US"/>
           </a:p>
         </p:txBody>
       </p:sp>
@@ -788,7 +798,7 @@
               <a:pPr>
                 <a:defRPr/>
               </a:pPr>
-              <a:t>2016/7/20</a:t>
+              <a:t>2020/7/16</a:t>
             </a:fld>
             <a:endParaRPr lang="ja-JP" altLang="en-US"/>
           </a:p>
@@ -847,7 +857,7 @@
               <a:pPr>
                 <a:defRPr/>
               </a:pPr>
-              <a:t>&lt;#&gt;</a:t>
+              <a:t>‹#›</a:t>
             </a:fld>
             <a:endParaRPr lang="ja-JP" altLang="en-US"/>
           </a:p>
@@ -894,10 +904,9 @@
           <a:lstStyle/>
           <a:p>
             <a:r>
-              <a:rPr lang="ja-JP" altLang="en-US" smtClean="0"/>
+              <a:rPr lang="ja-JP" altLang="en-US"/>
               <a:t>マスター タイトルの書式設定</a:t>
             </a:r>
-            <a:endParaRPr lang="ja-JP" altLang="en-US"/>
           </a:p>
         </p:txBody>
       </p:sp>
@@ -918,70 +927,69 @@
           <a:p>
             <a:pPr lvl="0"/>
             <a:r>
-              <a:rPr lang="ja-JP" altLang="en-US" smtClean="0"/>
+              <a:rPr lang="ja-JP" altLang="en-US"/>
               <a:t>マスター テキストの書式設定</a:t>
             </a:r>
           </a:p>
           <a:p>
             <a:pPr lvl="1"/>
             <a:r>
-              <a:rPr lang="ja-JP" altLang="en-US" smtClean="0"/>
+              <a:rPr lang="ja-JP" altLang="en-US"/>
               <a:t>第 </a:t>
             </a:r>
             <a:r>
-              <a:rPr lang="en-US" altLang="ja-JP" smtClean="0"/>
+              <a:rPr lang="en-US" altLang="ja-JP"/>
               <a:t>2 </a:t>
             </a:r>
             <a:r>
-              <a:rPr lang="ja-JP" altLang="en-US" smtClean="0"/>
+              <a:rPr lang="ja-JP" altLang="en-US"/>
               <a:t>レベル</a:t>
             </a:r>
           </a:p>
           <a:p>
             <a:pPr lvl="2"/>
             <a:r>
-              <a:rPr lang="ja-JP" altLang="en-US" smtClean="0"/>
+              <a:rPr lang="ja-JP" altLang="en-US"/>
               <a:t>第 </a:t>
             </a:r>
             <a:r>
-              <a:rPr lang="en-US" altLang="ja-JP" smtClean="0"/>
+              <a:rPr lang="en-US" altLang="ja-JP"/>
               <a:t>3 </a:t>
             </a:r>
             <a:r>
-              <a:rPr lang="ja-JP" altLang="en-US" smtClean="0"/>
+              <a:rPr lang="ja-JP" altLang="en-US"/>
               <a:t>レベル</a:t>
             </a:r>
           </a:p>
           <a:p>
             <a:pPr lvl="3"/>
             <a:r>
-              <a:rPr lang="ja-JP" altLang="en-US" smtClean="0"/>
+              <a:rPr lang="ja-JP" altLang="en-US"/>
               <a:t>第 </a:t>
             </a:r>
             <a:r>
-              <a:rPr lang="en-US" altLang="ja-JP" smtClean="0"/>
+              <a:rPr lang="en-US" altLang="ja-JP"/>
               <a:t>4 </a:t>
             </a:r>
             <a:r>
-              <a:rPr lang="ja-JP" altLang="en-US" smtClean="0"/>
+              <a:rPr lang="ja-JP" altLang="en-US"/>
               <a:t>レベル</a:t>
             </a:r>
           </a:p>
           <a:p>
             <a:pPr lvl="4"/>
             <a:r>
-              <a:rPr lang="ja-JP" altLang="en-US" smtClean="0"/>
+              <a:rPr lang="ja-JP" altLang="en-US"/>
               <a:t>第 </a:t>
             </a:r>
             <a:r>
-              <a:rPr lang="en-US" altLang="ja-JP" smtClean="0"/>
+              <a:rPr lang="en-US" altLang="ja-JP"/>
               <a:t>5 </a:t>
             </a:r>
             <a:r>
-              <a:rPr lang="ja-JP" altLang="en-US" smtClean="0"/>
+              <a:rPr lang="ja-JP" altLang="en-US"/>
               <a:t>レベル</a:t>
             </a:r>
-            <a:endParaRPr lang="ja-JP" altLang="en-US"/>
           </a:p>
         </p:txBody>
       </p:sp>
@@ -1012,7 +1020,7 @@
               <a:pPr>
                 <a:defRPr/>
               </a:pPr>
-              <a:t>2016/7/20</a:t>
+              <a:t>2020/7/16</a:t>
             </a:fld>
             <a:endParaRPr lang="ja-JP" altLang="en-US"/>
           </a:p>
@@ -1071,7 +1079,7 @@
               <a:pPr>
                 <a:defRPr/>
               </a:pPr>
-              <a:t>&lt;#&gt;</a:t>
+              <a:t>‹#›</a:t>
             </a:fld>
             <a:endParaRPr lang="ja-JP" altLang="en-US"/>
           </a:p>
@@ -1127,10 +1135,9 @@
           </a:lstStyle>
           <a:p>
             <a:r>
-              <a:rPr lang="ja-JP" altLang="en-US" smtClean="0"/>
+              <a:rPr lang="ja-JP" altLang="en-US"/>
               <a:t>マスター タイトルの書式設定</a:t>
             </a:r>
-            <a:endParaRPr lang="ja-JP" altLang="en-US"/>
           </a:p>
         </p:txBody>
       </p:sp>
@@ -1247,7 +1254,7 @@
           <a:p>
             <a:pPr lvl="0"/>
             <a:r>
-              <a:rPr lang="ja-JP" altLang="en-US" smtClean="0"/>
+              <a:rPr lang="ja-JP" altLang="en-US"/>
               <a:t>マスター テキストの書式設定</a:t>
             </a:r>
           </a:p>
@@ -1280,7 +1287,7 @@
               <a:pPr>
                 <a:defRPr/>
               </a:pPr>
-              <a:t>2016/7/20</a:t>
+              <a:t>2020/7/16</a:t>
             </a:fld>
             <a:endParaRPr lang="ja-JP" altLang="en-US"/>
           </a:p>
@@ -1339,7 +1346,7 @@
               <a:pPr>
                 <a:defRPr/>
               </a:pPr>
-              <a:t>&lt;#&gt;</a:t>
+              <a:t>‹#›</a:t>
             </a:fld>
             <a:endParaRPr lang="ja-JP" altLang="en-US"/>
           </a:p>
@@ -1386,10 +1393,9 @@
           <a:lstStyle/>
           <a:p>
             <a:r>
-              <a:rPr lang="ja-JP" altLang="en-US" smtClean="0"/>
+              <a:rPr lang="ja-JP" altLang="en-US"/>
               <a:t>マスター タイトルの書式設定</a:t>
             </a:r>
-            <a:endParaRPr lang="ja-JP" altLang="en-US"/>
           </a:p>
         </p:txBody>
       </p:sp>
@@ -1443,70 +1449,69 @@
           <a:p>
             <a:pPr lvl="0"/>
             <a:r>
-              <a:rPr lang="ja-JP" altLang="en-US" smtClean="0"/>
+              <a:rPr lang="ja-JP" altLang="en-US"/>
               <a:t>マスター テキストの書式設定</a:t>
             </a:r>
           </a:p>
           <a:p>
             <a:pPr lvl="1"/>
             <a:r>
-              <a:rPr lang="ja-JP" altLang="en-US" smtClean="0"/>
+              <a:rPr lang="ja-JP" altLang="en-US"/>
               <a:t>第 </a:t>
             </a:r>
             <a:r>
-              <a:rPr lang="en-US" altLang="ja-JP" smtClean="0"/>
+              <a:rPr lang="en-US" altLang="ja-JP"/>
               <a:t>2 </a:t>
             </a:r>
             <a:r>
-              <a:rPr lang="ja-JP" altLang="en-US" smtClean="0"/>
+              <a:rPr lang="ja-JP" altLang="en-US"/>
               <a:t>レベル</a:t>
             </a:r>
           </a:p>
           <a:p>
             <a:pPr lvl="2"/>
             <a:r>
-              <a:rPr lang="ja-JP" altLang="en-US" smtClean="0"/>
+              <a:rPr lang="ja-JP" altLang="en-US"/>
               <a:t>第 </a:t>
             </a:r>
             <a:r>
-              <a:rPr lang="en-US" altLang="ja-JP" smtClean="0"/>
+              <a:rPr lang="en-US" altLang="ja-JP"/>
               <a:t>3 </a:t>
             </a:r>
             <a:r>
-              <a:rPr lang="ja-JP" altLang="en-US" smtClean="0"/>
+              <a:rPr lang="ja-JP" altLang="en-US"/>
               <a:t>レベル</a:t>
             </a:r>
           </a:p>
           <a:p>
             <a:pPr lvl="3"/>
             <a:r>
-              <a:rPr lang="ja-JP" altLang="en-US" smtClean="0"/>
+              <a:rPr lang="ja-JP" altLang="en-US"/>
               <a:t>第 </a:t>
             </a:r>
             <a:r>
-              <a:rPr lang="en-US" altLang="ja-JP" smtClean="0"/>
+              <a:rPr lang="en-US" altLang="ja-JP"/>
               <a:t>4 </a:t>
             </a:r>
             <a:r>
-              <a:rPr lang="ja-JP" altLang="en-US" smtClean="0"/>
+              <a:rPr lang="ja-JP" altLang="en-US"/>
               <a:t>レベル</a:t>
             </a:r>
           </a:p>
           <a:p>
             <a:pPr lvl="4"/>
             <a:r>
-              <a:rPr lang="ja-JP" altLang="en-US" smtClean="0"/>
+              <a:rPr lang="ja-JP" altLang="en-US"/>
               <a:t>第 </a:t>
             </a:r>
             <a:r>
-              <a:rPr lang="en-US" altLang="ja-JP" smtClean="0"/>
+              <a:rPr lang="en-US" altLang="ja-JP"/>
               <a:t>5 </a:t>
             </a:r>
             <a:r>
-              <a:rPr lang="ja-JP" altLang="en-US" smtClean="0"/>
+              <a:rPr lang="ja-JP" altLang="en-US"/>
               <a:t>レベル</a:t>
             </a:r>
-            <a:endParaRPr lang="ja-JP" altLang="en-US"/>
           </a:p>
         </p:txBody>
       </p:sp>
@@ -1560,70 +1565,69 @@
           <a:p>
             <a:pPr lvl="0"/>
             <a:r>
-              <a:rPr lang="ja-JP" altLang="en-US" smtClean="0"/>
+              <a:rPr lang="ja-JP" altLang="en-US"/>
               <a:t>マスター テキストの書式設定</a:t>
             </a:r>
           </a:p>
           <a:p>
             <a:pPr lvl="1"/>
             <a:r>
-              <a:rPr lang="ja-JP" altLang="en-US" smtClean="0"/>
+              <a:rPr lang="ja-JP" altLang="en-US"/>
               <a:t>第 </a:t>
             </a:r>
             <a:r>
-              <a:rPr lang="en-US" altLang="ja-JP" smtClean="0"/>
+              <a:rPr lang="en-US" altLang="ja-JP"/>
               <a:t>2 </a:t>
             </a:r>
             <a:r>
-              <a:rPr lang="ja-JP" altLang="en-US" smtClean="0"/>
+              <a:rPr lang="ja-JP" altLang="en-US"/>
               <a:t>レベル</a:t>
             </a:r>
           </a:p>
           <a:p>
             <a:pPr lvl="2"/>
             <a:r>
-              <a:rPr lang="ja-JP" altLang="en-US" smtClean="0"/>
+              <a:rPr lang="ja-JP" altLang="en-US"/>
               <a:t>第 </a:t>
             </a:r>
             <a:r>
-              <a:rPr lang="en-US" altLang="ja-JP" smtClean="0"/>
+              <a:rPr lang="en-US" altLang="ja-JP"/>
               <a:t>3 </a:t>
             </a:r>
             <a:r>
-              <a:rPr lang="ja-JP" altLang="en-US" smtClean="0"/>
+              <a:rPr lang="ja-JP" altLang="en-US"/>
               <a:t>レベル</a:t>
             </a:r>
           </a:p>
           <a:p>
             <a:pPr lvl="3"/>
             <a:r>
-              <a:rPr lang="ja-JP" altLang="en-US" smtClean="0"/>
+              <a:rPr lang="ja-JP" altLang="en-US"/>
               <a:t>第 </a:t>
             </a:r>
             <a:r>
-              <a:rPr lang="en-US" altLang="ja-JP" smtClean="0"/>
+              <a:rPr lang="en-US" altLang="ja-JP"/>
               <a:t>4 </a:t>
             </a:r>
             <a:r>
-              <a:rPr lang="ja-JP" altLang="en-US" smtClean="0"/>
+              <a:rPr lang="ja-JP" altLang="en-US"/>
               <a:t>レベル</a:t>
             </a:r>
           </a:p>
           <a:p>
             <a:pPr lvl="4"/>
             <a:r>
-              <a:rPr lang="ja-JP" altLang="en-US" smtClean="0"/>
+              <a:rPr lang="ja-JP" altLang="en-US"/>
               <a:t>第 </a:t>
             </a:r>
             <a:r>
-              <a:rPr lang="en-US" altLang="ja-JP" smtClean="0"/>
+              <a:rPr lang="en-US" altLang="ja-JP"/>
               <a:t>5 </a:t>
             </a:r>
             <a:r>
-              <a:rPr lang="ja-JP" altLang="en-US" smtClean="0"/>
+              <a:rPr lang="ja-JP" altLang="en-US"/>
               <a:t>レベル</a:t>
             </a:r>
-            <a:endParaRPr lang="ja-JP" altLang="en-US"/>
           </a:p>
         </p:txBody>
       </p:sp>
@@ -1654,7 +1658,7 @@
               <a:pPr>
                 <a:defRPr/>
               </a:pPr>
-              <a:t>2016/7/20</a:t>
+              <a:t>2020/7/16</a:t>
             </a:fld>
             <a:endParaRPr lang="ja-JP" altLang="en-US"/>
           </a:p>
@@ -1713,7 +1717,7 @@
               <a:pPr>
                 <a:defRPr/>
               </a:pPr>
-              <a:t>&lt;#&gt;</a:t>
+              <a:t>‹#›</a:t>
             </a:fld>
             <a:endParaRPr lang="ja-JP" altLang="en-US"/>
           </a:p>
@@ -1764,10 +1768,9 @@
           </a:lstStyle>
           <a:p>
             <a:r>
-              <a:rPr lang="ja-JP" altLang="en-US" smtClean="0"/>
+              <a:rPr lang="ja-JP" altLang="en-US"/>
               <a:t>マスター タイトルの書式設定</a:t>
             </a:r>
-            <a:endParaRPr lang="ja-JP" altLang="en-US"/>
           </a:p>
         </p:txBody>
       </p:sp>
@@ -1830,7 +1833,7 @@
           <a:p>
             <a:pPr lvl="0"/>
             <a:r>
-              <a:rPr lang="ja-JP" altLang="en-US" smtClean="0"/>
+              <a:rPr lang="ja-JP" altLang="en-US"/>
               <a:t>マスター テキストの書式設定</a:t>
             </a:r>
           </a:p>
@@ -1886,70 +1889,69 @@
           <a:p>
             <a:pPr lvl="0"/>
             <a:r>
-              <a:rPr lang="ja-JP" altLang="en-US" smtClean="0"/>
+              <a:rPr lang="ja-JP" altLang="en-US"/>
               <a:t>マスター テキストの書式設定</a:t>
             </a:r>
           </a:p>
           <a:p>
             <a:pPr lvl="1"/>
             <a:r>
-              <a:rPr lang="ja-JP" altLang="en-US" smtClean="0"/>
+              <a:rPr lang="ja-JP" altLang="en-US"/>
               <a:t>第 </a:t>
             </a:r>
             <a:r>
-              <a:rPr lang="en-US" altLang="ja-JP" smtClean="0"/>
+              <a:rPr lang="en-US" altLang="ja-JP"/>
               <a:t>2 </a:t>
             </a:r>
             <a:r>
-              <a:rPr lang="ja-JP" altLang="en-US" smtClean="0"/>
+              <a:rPr lang="ja-JP" altLang="en-US"/>
               <a:t>レベル</a:t>
             </a:r>
           </a:p>
           <a:p>
             <a:pPr lvl="2"/>
             <a:r>
-              <a:rPr lang="ja-JP" altLang="en-US" smtClean="0"/>
+              <a:rPr lang="ja-JP" altLang="en-US"/>
               <a:t>第 </a:t>
             </a:r>
             <a:r>
-              <a:rPr lang="en-US" altLang="ja-JP" smtClean="0"/>
+              <a:rPr lang="en-US" altLang="ja-JP"/>
               <a:t>3 </a:t>
             </a:r>
             <a:r>
-              <a:rPr lang="ja-JP" altLang="en-US" smtClean="0"/>
+              <a:rPr lang="ja-JP" altLang="en-US"/>
               <a:t>レベル</a:t>
             </a:r>
           </a:p>
           <a:p>
             <a:pPr lvl="3"/>
             <a:r>
-              <a:rPr lang="ja-JP" altLang="en-US" smtClean="0"/>
+              <a:rPr lang="ja-JP" altLang="en-US"/>
               <a:t>第 </a:t>
             </a:r>
             <a:r>
-              <a:rPr lang="en-US" altLang="ja-JP" smtClean="0"/>
+              <a:rPr lang="en-US" altLang="ja-JP"/>
               <a:t>4 </a:t>
             </a:r>
             <a:r>
-              <a:rPr lang="ja-JP" altLang="en-US" smtClean="0"/>
+              <a:rPr lang="ja-JP" altLang="en-US"/>
               <a:t>レベル</a:t>
             </a:r>
           </a:p>
           <a:p>
             <a:pPr lvl="4"/>
             <a:r>
-              <a:rPr lang="ja-JP" altLang="en-US" smtClean="0"/>
+              <a:rPr lang="ja-JP" altLang="en-US"/>
               <a:t>第 </a:t>
             </a:r>
             <a:r>
-              <a:rPr lang="en-US" altLang="ja-JP" smtClean="0"/>
+              <a:rPr lang="en-US" altLang="ja-JP"/>
               <a:t>5 </a:t>
             </a:r>
             <a:r>
-              <a:rPr lang="ja-JP" altLang="en-US" smtClean="0"/>
+              <a:rPr lang="ja-JP" altLang="en-US"/>
               <a:t>レベル</a:t>
             </a:r>
-            <a:endParaRPr lang="ja-JP" altLang="en-US"/>
           </a:p>
         </p:txBody>
       </p:sp>
@@ -2012,7 +2014,7 @@
           <a:p>
             <a:pPr lvl="0"/>
             <a:r>
-              <a:rPr lang="ja-JP" altLang="en-US" smtClean="0"/>
+              <a:rPr lang="ja-JP" altLang="en-US"/>
               <a:t>マスター テキストの書式設定</a:t>
             </a:r>
           </a:p>
@@ -2068,70 +2070,69 @@
           <a:p>
             <a:pPr lvl="0"/>
             <a:r>
-              <a:rPr lang="ja-JP" altLang="en-US" smtClean="0"/>
+              <a:rPr lang="ja-JP" altLang="en-US"/>
               <a:t>マスター テキストの書式設定</a:t>
             </a:r>
           </a:p>
           <a:p>
             <a:pPr lvl="1"/>
             <a:r>
-              <a:rPr lang="ja-JP" altLang="en-US" smtClean="0"/>
+              <a:rPr lang="ja-JP" altLang="en-US"/>
               <a:t>第 </a:t>
             </a:r>
             <a:r>
-              <a:rPr lang="en-US" altLang="ja-JP" smtClean="0"/>
+              <a:rPr lang="en-US" altLang="ja-JP"/>
               <a:t>2 </a:t>
             </a:r>
             <a:r>
-              <a:rPr lang="ja-JP" altLang="en-US" smtClean="0"/>
+              <a:rPr lang="ja-JP" altLang="en-US"/>
               <a:t>レベル</a:t>
             </a:r>
           </a:p>
           <a:p>
             <a:pPr lvl="2"/>
             <a:r>
-              <a:rPr lang="ja-JP" altLang="en-US" smtClean="0"/>
+              <a:rPr lang="ja-JP" altLang="en-US"/>
               <a:t>第 </a:t>
             </a:r>
             <a:r>
-              <a:rPr lang="en-US" altLang="ja-JP" smtClean="0"/>
+              <a:rPr lang="en-US" altLang="ja-JP"/>
               <a:t>3 </a:t>
             </a:r>
             <a:r>
-              <a:rPr lang="ja-JP" altLang="en-US" smtClean="0"/>
+              <a:rPr lang="ja-JP" altLang="en-US"/>
               <a:t>レベル</a:t>
             </a:r>
           </a:p>
           <a:p>
             <a:pPr lvl="3"/>
             <a:r>
-              <a:rPr lang="ja-JP" altLang="en-US" smtClean="0"/>
+              <a:rPr lang="ja-JP" altLang="en-US"/>
               <a:t>第 </a:t>
             </a:r>
             <a:r>
-              <a:rPr lang="en-US" altLang="ja-JP" smtClean="0"/>
+              <a:rPr lang="en-US" altLang="ja-JP"/>
               <a:t>4 </a:t>
             </a:r>
             <a:r>
-              <a:rPr lang="ja-JP" altLang="en-US" smtClean="0"/>
+              <a:rPr lang="ja-JP" altLang="en-US"/>
               <a:t>レベル</a:t>
             </a:r>
           </a:p>
           <a:p>
             <a:pPr lvl="4"/>
             <a:r>
-              <a:rPr lang="ja-JP" altLang="en-US" smtClean="0"/>
+              <a:rPr lang="ja-JP" altLang="en-US"/>
               <a:t>第 </a:t>
             </a:r>
             <a:r>
-              <a:rPr lang="en-US" altLang="ja-JP" smtClean="0"/>
+              <a:rPr lang="en-US" altLang="ja-JP"/>
               <a:t>5 </a:t>
             </a:r>
             <a:r>
-              <a:rPr lang="ja-JP" altLang="en-US" smtClean="0"/>
+              <a:rPr lang="ja-JP" altLang="en-US"/>
               <a:t>レベル</a:t>
             </a:r>
-            <a:endParaRPr lang="ja-JP" altLang="en-US"/>
           </a:p>
         </p:txBody>
       </p:sp>
@@ -2162,7 +2163,7 @@
               <a:pPr>
                 <a:defRPr/>
               </a:pPr>
-              <a:t>2016/7/20</a:t>
+              <a:t>2020/7/16</a:t>
             </a:fld>
             <a:endParaRPr lang="ja-JP" altLang="en-US"/>
           </a:p>
@@ -2221,7 +2222,7 @@
               <a:pPr>
                 <a:defRPr/>
               </a:pPr>
-              <a:t>&lt;#&gt;</a:t>
+              <a:t>‹#›</a:t>
             </a:fld>
             <a:endParaRPr lang="ja-JP" altLang="en-US"/>
           </a:p>
@@ -2268,10 +2269,9 @@
           <a:lstStyle/>
           <a:p>
             <a:r>
-              <a:rPr lang="ja-JP" altLang="en-US" smtClean="0"/>
+              <a:rPr lang="ja-JP" altLang="en-US"/>
               <a:t>マスター タイトルの書式設定</a:t>
             </a:r>
-            <a:endParaRPr lang="ja-JP" altLang="en-US"/>
           </a:p>
         </p:txBody>
       </p:sp>
@@ -2302,7 +2302,7 @@
               <a:pPr>
                 <a:defRPr/>
               </a:pPr>
-              <a:t>2016/7/20</a:t>
+              <a:t>2020/7/16</a:t>
             </a:fld>
             <a:endParaRPr lang="ja-JP" altLang="en-US"/>
           </a:p>
@@ -2361,7 +2361,7 @@
               <a:pPr>
                 <a:defRPr/>
               </a:pPr>
-              <a:t>&lt;#&gt;</a:t>
+              <a:t>‹#›</a:t>
             </a:fld>
             <a:endParaRPr lang="ja-JP" altLang="en-US"/>
           </a:p>
@@ -2419,7 +2419,7 @@
               <a:pPr>
                 <a:defRPr/>
               </a:pPr>
-              <a:t>2016/7/20</a:t>
+              <a:t>2020/7/16</a:t>
             </a:fld>
             <a:endParaRPr lang="ja-JP" altLang="en-US"/>
           </a:p>
@@ -2478,7 +2478,7 @@
               <a:pPr>
                 <a:defRPr/>
               </a:pPr>
-              <a:t>&lt;#&gt;</a:t>
+              <a:t>‹#›</a:t>
             </a:fld>
             <a:endParaRPr lang="ja-JP" altLang="en-US"/>
           </a:p>
@@ -2534,10 +2534,9 @@
           </a:lstStyle>
           <a:p>
             <a:r>
-              <a:rPr lang="ja-JP" altLang="en-US" smtClean="0"/>
+              <a:rPr lang="ja-JP" altLang="en-US"/>
               <a:t>マスター タイトルの書式設定</a:t>
             </a:r>
-            <a:endParaRPr lang="ja-JP" altLang="en-US"/>
           </a:p>
         </p:txBody>
       </p:sp>
@@ -2591,70 +2590,69 @@
           <a:p>
             <a:pPr lvl="0"/>
             <a:r>
-              <a:rPr lang="ja-JP" altLang="en-US" smtClean="0"/>
+              <a:rPr lang="ja-JP" altLang="en-US"/>
               <a:t>マスター テキストの書式設定</a:t>
             </a:r>
           </a:p>
           <a:p>
             <a:pPr lvl="1"/>
             <a:r>
-              <a:rPr lang="ja-JP" altLang="en-US" smtClean="0"/>
+              <a:rPr lang="ja-JP" altLang="en-US"/>
               <a:t>第 </a:t>
             </a:r>
             <a:r>
-              <a:rPr lang="en-US" altLang="ja-JP" smtClean="0"/>
+              <a:rPr lang="en-US" altLang="ja-JP"/>
               <a:t>2 </a:t>
             </a:r>
             <a:r>
-              <a:rPr lang="ja-JP" altLang="en-US" smtClean="0"/>
+              <a:rPr lang="ja-JP" altLang="en-US"/>
               <a:t>レベル</a:t>
             </a:r>
           </a:p>
           <a:p>
             <a:pPr lvl="2"/>
             <a:r>
-              <a:rPr lang="ja-JP" altLang="en-US" smtClean="0"/>
+              <a:rPr lang="ja-JP" altLang="en-US"/>
               <a:t>第 </a:t>
             </a:r>
             <a:r>
-              <a:rPr lang="en-US" altLang="ja-JP" smtClean="0"/>
+              <a:rPr lang="en-US" altLang="ja-JP"/>
               <a:t>3 </a:t>
             </a:r>
             <a:r>
-              <a:rPr lang="ja-JP" altLang="en-US" smtClean="0"/>
+              <a:rPr lang="ja-JP" altLang="en-US"/>
               <a:t>レベル</a:t>
             </a:r>
           </a:p>
           <a:p>
             <a:pPr lvl="3"/>
             <a:r>
-              <a:rPr lang="ja-JP" altLang="en-US" smtClean="0"/>
+              <a:rPr lang="ja-JP" altLang="en-US"/>
               <a:t>第 </a:t>
             </a:r>
             <a:r>
-              <a:rPr lang="en-US" altLang="ja-JP" smtClean="0"/>
+              <a:rPr lang="en-US" altLang="ja-JP"/>
               <a:t>4 </a:t>
             </a:r>
             <a:r>
-              <a:rPr lang="ja-JP" altLang="en-US" smtClean="0"/>
+              <a:rPr lang="ja-JP" altLang="en-US"/>
               <a:t>レベル</a:t>
             </a:r>
           </a:p>
           <a:p>
             <a:pPr lvl="4"/>
             <a:r>
-              <a:rPr lang="ja-JP" altLang="en-US" smtClean="0"/>
+              <a:rPr lang="ja-JP" altLang="en-US"/>
               <a:t>第 </a:t>
             </a:r>
             <a:r>
-              <a:rPr lang="en-US" altLang="ja-JP" smtClean="0"/>
+              <a:rPr lang="en-US" altLang="ja-JP"/>
               <a:t>5 </a:t>
             </a:r>
             <a:r>
-              <a:rPr lang="ja-JP" altLang="en-US" smtClean="0"/>
+              <a:rPr lang="ja-JP" altLang="en-US"/>
               <a:t>レベル</a:t>
             </a:r>
-            <a:endParaRPr lang="ja-JP" altLang="en-US"/>
           </a:p>
         </p:txBody>
       </p:sp>
@@ -2717,7 +2715,7 @@
           <a:p>
             <a:pPr lvl="0"/>
             <a:r>
-              <a:rPr lang="ja-JP" altLang="en-US" smtClean="0"/>
+              <a:rPr lang="ja-JP" altLang="en-US"/>
               <a:t>マスター テキストの書式設定</a:t>
             </a:r>
           </a:p>
@@ -2750,7 +2748,7 @@
               <a:pPr>
                 <a:defRPr/>
               </a:pPr>
-              <a:t>2016/7/20</a:t>
+              <a:t>2020/7/16</a:t>
             </a:fld>
             <a:endParaRPr lang="ja-JP" altLang="en-US"/>
           </a:p>
@@ -2809,7 +2807,7 @@
               <a:pPr>
                 <a:defRPr/>
               </a:pPr>
-              <a:t>&lt;#&gt;</a:t>
+              <a:t>‹#›</a:t>
             </a:fld>
             <a:endParaRPr lang="ja-JP" altLang="en-US"/>
           </a:p>
@@ -2865,10 +2863,9 @@
           </a:lstStyle>
           <a:p>
             <a:r>
-              <a:rPr lang="ja-JP" altLang="en-US" smtClean="0"/>
+              <a:rPr lang="ja-JP" altLang="en-US"/>
               <a:t>マスター タイトルの書式設定</a:t>
             </a:r>
-            <a:endParaRPr lang="ja-JP" altLang="en-US"/>
           </a:p>
         </p:txBody>
       </p:sp>
@@ -2932,7 +2929,7 @@
           </a:lstStyle>
           <a:p>
             <a:pPr lvl="0"/>
-            <a:endParaRPr lang="ja-JP" altLang="en-US" noProof="0" smtClean="0"/>
+            <a:endParaRPr lang="ja-JP" altLang="en-US" noProof="0"/>
           </a:p>
         </p:txBody>
       </p:sp>
@@ -2995,7 +2992,7 @@
           <a:p>
             <a:pPr lvl="0"/>
             <a:r>
-              <a:rPr lang="ja-JP" altLang="en-US" smtClean="0"/>
+              <a:rPr lang="ja-JP" altLang="en-US"/>
               <a:t>マスター テキストの書式設定</a:t>
             </a:r>
           </a:p>
@@ -3028,7 +3025,7 @@
               <a:pPr>
                 <a:defRPr/>
               </a:pPr>
-              <a:t>2016/7/20</a:t>
+              <a:t>2020/7/16</a:t>
             </a:fld>
             <a:endParaRPr lang="ja-JP" altLang="en-US"/>
           </a:p>
@@ -3087,7 +3084,7 @@
               <a:pPr>
                 <a:defRPr/>
               </a:pPr>
-              <a:t>&lt;#&gt;</a:t>
+              <a:t>‹#›</a:t>
             </a:fld>
             <a:endParaRPr lang="ja-JP" altLang="en-US"/>
           </a:p>
@@ -3159,7 +3156,7 @@
           <a:p>
             <a:pPr lvl="0"/>
             <a:r>
-              <a:rPr lang="ja-JP" altLang="en-US" smtClean="0"/>
+              <a:rPr lang="ja-JP" altLang="en-US"/>
               <a:t>マスター タイトルの書式設定</a:t>
             </a:r>
           </a:p>
@@ -3201,67 +3198,67 @@
           <a:p>
             <a:pPr lvl="0"/>
             <a:r>
-              <a:rPr lang="ja-JP" altLang="en-US" smtClean="0"/>
+              <a:rPr lang="ja-JP" altLang="en-US"/>
               <a:t>マスター テキストの書式設定</a:t>
             </a:r>
           </a:p>
           <a:p>
             <a:pPr lvl="1"/>
             <a:r>
-              <a:rPr lang="ja-JP" altLang="en-US" smtClean="0"/>
+              <a:rPr lang="ja-JP" altLang="en-US"/>
               <a:t>第 </a:t>
             </a:r>
             <a:r>
-              <a:rPr lang="en-US" altLang="ja-JP" smtClean="0"/>
+              <a:rPr lang="en-US" altLang="ja-JP"/>
               <a:t>2 </a:t>
             </a:r>
             <a:r>
-              <a:rPr lang="ja-JP" altLang="en-US" smtClean="0"/>
+              <a:rPr lang="ja-JP" altLang="en-US"/>
               <a:t>レベル</a:t>
             </a:r>
           </a:p>
           <a:p>
             <a:pPr lvl="2"/>
             <a:r>
-              <a:rPr lang="ja-JP" altLang="en-US" smtClean="0"/>
+              <a:rPr lang="ja-JP" altLang="en-US"/>
               <a:t>第 </a:t>
             </a:r>
             <a:r>
-              <a:rPr lang="en-US" altLang="ja-JP" smtClean="0"/>
+              <a:rPr lang="en-US" altLang="ja-JP"/>
               <a:t>3 </a:t>
             </a:r>
             <a:r>
-              <a:rPr lang="ja-JP" altLang="en-US" smtClean="0"/>
+              <a:rPr lang="ja-JP" altLang="en-US"/>
               <a:t>レベル</a:t>
             </a:r>
           </a:p>
           <a:p>
             <a:pPr lvl="3"/>
             <a:r>
-              <a:rPr lang="ja-JP" altLang="en-US" smtClean="0"/>
+              <a:rPr lang="ja-JP" altLang="en-US"/>
               <a:t>第 </a:t>
             </a:r>
             <a:r>
-              <a:rPr lang="en-US" altLang="ja-JP" smtClean="0"/>
+              <a:rPr lang="en-US" altLang="ja-JP"/>
               <a:t>4 </a:t>
             </a:r>
             <a:r>
-              <a:rPr lang="ja-JP" altLang="en-US" smtClean="0"/>
+              <a:rPr lang="ja-JP" altLang="en-US"/>
               <a:t>レベル</a:t>
             </a:r>
           </a:p>
           <a:p>
             <a:pPr lvl="4"/>
             <a:r>
-              <a:rPr lang="ja-JP" altLang="en-US" smtClean="0"/>
+              <a:rPr lang="ja-JP" altLang="en-US"/>
               <a:t>第 </a:t>
             </a:r>
             <a:r>
-              <a:rPr lang="en-US" altLang="ja-JP" smtClean="0"/>
+              <a:rPr lang="en-US" altLang="ja-JP"/>
               <a:t>5 </a:t>
             </a:r>
             <a:r>
-              <a:rPr lang="ja-JP" altLang="en-US" smtClean="0"/>
+              <a:rPr lang="ja-JP" altLang="en-US"/>
               <a:t>レベル</a:t>
             </a:r>
           </a:p>
@@ -3308,7 +3305,7 @@
               <a:pPr>
                 <a:defRPr/>
               </a:pPr>
-              <a:t>2016/7/20</a:t>
+              <a:t>2020/7/16</a:t>
             </a:fld>
             <a:endParaRPr lang="ja-JP" altLang="en-US"/>
           </a:p>
@@ -3395,7 +3392,7 @@
               <a:pPr>
                 <a:defRPr/>
               </a:pPr>
-              <a:t>&lt;#&gt;</a:t>
+              <a:t>‹#›</a:t>
             </a:fld>
             <a:endParaRPr lang="ja-JP" altLang="en-US"/>
           </a:p>
@@ -4115,13 +4112,18 @@
               <a:defRPr/>
             </a:pPr>
             <a:r>
-              <a:rPr lang="ja-JP" altLang="en-US" sz="1200" b="1" dirty="0">
+              <a:rPr lang="en-US" altLang="ja-JP" sz="1200" b="1" dirty="0">
                 <a:solidFill>
                   <a:schemeClr val="tx1"/>
                 </a:solidFill>
               </a:rPr>
-              <a:t>ブラウザ</a:t>
-            </a:r>
+              <a:t>Browser</a:t>
+            </a:r>
+            <a:endParaRPr lang="ja-JP" altLang="en-US" sz="1200" b="1" dirty="0">
+              <a:solidFill>
+                <a:schemeClr val="tx1"/>
+              </a:solidFill>
+            </a:endParaRPr>
           </a:p>
         </p:txBody>
       </p:sp>
@@ -4189,37 +4191,26 @@
               <a:defRPr/>
             </a:pPr>
             <a:r>
-              <a:rPr lang="ja-JP" altLang="en-US" sz="1200" b="1" dirty="0">
+              <a:rPr lang="en-US" altLang="ja-JP" sz="1200" b="1" dirty="0" err="1">
                 <a:solidFill>
                   <a:schemeClr val="tx1"/>
                 </a:solidFill>
               </a:rPr>
-              <a:t>マルチパート</a:t>
-            </a:r>
-            <a:endParaRPr lang="en-US" altLang="ja-JP" sz="1200" b="1" dirty="0">
+              <a:t>Multuipart</a:t>
+            </a:r>
+            <a:r>
+              <a:rPr lang="en-US" altLang="ja-JP" sz="1200" b="1" dirty="0">
+                <a:solidFill>
+                  <a:schemeClr val="tx1"/>
+                </a:solidFill>
+              </a:rPr>
+              <a:t> request handler</a:t>
+            </a:r>
+            <a:endParaRPr lang="ja-JP" altLang="en-US" sz="1200" b="1" dirty="0">
               <a:solidFill>
                 <a:schemeClr val="tx1"/>
               </a:solidFill>
             </a:endParaRPr>
-          </a:p>
-          <a:p>
-            <a:pPr algn="ctr" fontAlgn="auto">
-              <a:spcBef>
-                <a:spcPts val="0"/>
-              </a:spcBef>
-              <a:spcAft>
-                <a:spcPts val="0"/>
-              </a:spcAft>
-              <a:defRPr/>
-            </a:pPr>
-            <a:r>
-              <a:rPr lang="ja-JP" altLang="en-US" sz="1200" b="1" dirty="0">
-                <a:solidFill>
-                  <a:schemeClr val="tx1"/>
-                </a:solidFill>
-              </a:rPr>
-              <a:t>リクエストハンドラ</a:t>
-            </a:r>
           </a:p>
         </p:txBody>
       </p:sp>
@@ -4287,20 +4278,12 @@
               <a:defRPr/>
             </a:pPr>
             <a:r>
-              <a:rPr lang="ja-JP" altLang="en-US" sz="1200" b="1" dirty="0">
-                <a:solidFill>
-                  <a:schemeClr val="tx1"/>
-                </a:solidFill>
-              </a:rPr>
-              <a:t>業務</a:t>
-            </a:r>
-            <a:r>
               <a:rPr lang="en-US" altLang="ja-JP" sz="1200" b="1" dirty="0">
                 <a:solidFill>
                   <a:schemeClr val="tx1"/>
                 </a:solidFill>
               </a:rPr>
-              <a:t>Action</a:t>
+              <a:t>Business action</a:t>
             </a:r>
             <a:endParaRPr lang="ja-JP" altLang="en-US" sz="1200" b="1" dirty="0">
               <a:solidFill>
@@ -4445,13 +4428,18 @@
               <a:defRPr/>
             </a:pPr>
             <a:r>
-              <a:rPr lang="ja-JP" altLang="en-US" sz="1200" dirty="0">
+              <a:rPr lang="en-US" altLang="ja-JP" sz="1200" dirty="0">
                 <a:solidFill>
                   <a:schemeClr val="tx1"/>
                 </a:solidFill>
               </a:rPr>
-              <a:t>一時ファイル</a:t>
-            </a:r>
+              <a:t>Temporary file</a:t>
+            </a:r>
+            <a:endParaRPr lang="ja-JP" altLang="en-US" sz="1200" dirty="0">
+              <a:solidFill>
+                <a:schemeClr val="tx1"/>
+              </a:solidFill>
+            </a:endParaRPr>
           </a:p>
         </p:txBody>
       </p:sp>
@@ -4519,13 +4507,18 @@
               <a:defRPr/>
             </a:pPr>
             <a:r>
-              <a:rPr lang="ja-JP" altLang="en-US" sz="1200" b="1" dirty="0">
+              <a:rPr lang="en-US" altLang="ja-JP" sz="1200" b="1" dirty="0">
                 <a:solidFill>
                   <a:schemeClr val="tx1"/>
                 </a:solidFill>
               </a:rPr>
-              <a:t>ファイル管理機能</a:t>
-            </a:r>
+              <a:t>File management function</a:t>
+            </a:r>
+            <a:endParaRPr lang="ja-JP" altLang="en-US" sz="1200" b="1" dirty="0">
+              <a:solidFill>
+                <a:schemeClr val="tx1"/>
+              </a:solidFill>
+            </a:endParaRPr>
           </a:p>
         </p:txBody>
       </p:sp>
@@ -5035,7 +5028,7 @@
         <p:spPr bwMode="auto">
           <a:xfrm>
             <a:off x="4457700" y="387350"/>
-            <a:ext cx="544513" cy="307975"/>
+            <a:ext cx="798617" cy="307777"/>
           </a:xfrm>
           <a:prstGeom prst="rect">
             <a:avLst/>
@@ -5055,9 +5048,10 @@
           <a:lstStyle/>
           <a:p>
             <a:r>
-              <a:rPr lang="ja-JP" altLang="en-US" sz="1400"/>
-              <a:t>業務</a:t>
-            </a:r>
+              <a:rPr lang="en-US" altLang="ja-JP" sz="1400" dirty="0"/>
+              <a:t>Business</a:t>
+            </a:r>
+            <a:endParaRPr lang="ja-JP" altLang="en-US" sz="1400" dirty="0"/>
           </a:p>
         </p:txBody>
       </p:sp>
@@ -5181,13 +5175,18 @@
               <a:defRPr/>
             </a:pPr>
             <a:r>
-              <a:rPr lang="ja-JP" altLang="en-US" sz="1200" dirty="0">
+              <a:rPr lang="en-US" altLang="ja-JP" sz="1200" dirty="0">
                 <a:solidFill>
                   <a:schemeClr val="tx1"/>
                 </a:solidFill>
               </a:rPr>
-              <a:t>サンプルで扱う範囲</a:t>
-            </a:r>
+              <a:t>Scope of sample</a:t>
+            </a:r>
+            <a:endParaRPr lang="ja-JP" altLang="en-US" sz="1200" dirty="0">
+              <a:solidFill>
+                <a:schemeClr val="tx1"/>
+              </a:solidFill>
+            </a:endParaRPr>
           </a:p>
         </p:txBody>
       </p:sp>
@@ -5247,13 +5246,18 @@
               <a:defRPr/>
             </a:pPr>
             <a:r>
-              <a:rPr lang="ja-JP" altLang="en-US" sz="1200" dirty="0">
+              <a:rPr lang="en-US" altLang="ja-JP" sz="1200" dirty="0">
                 <a:solidFill>
                   <a:schemeClr val="tx1"/>
                 </a:solidFill>
               </a:rPr>
-              <a:t>ファイル</a:t>
-            </a:r>
+              <a:t>File</a:t>
+            </a:r>
+            <a:endParaRPr lang="ja-JP" altLang="en-US" sz="1200" dirty="0">
+              <a:solidFill>
+                <a:schemeClr val="tx1"/>
+              </a:solidFill>
+            </a:endParaRPr>
           </a:p>
         </p:txBody>
       </p:sp>
@@ -5268,7 +5272,7 @@
         <p:spPr bwMode="auto">
           <a:xfrm>
             <a:off x="192088" y="387350"/>
-            <a:ext cx="1057275" cy="307975"/>
+            <a:ext cx="627095" cy="307777"/>
           </a:xfrm>
           <a:prstGeom prst="rect">
             <a:avLst/>
@@ -5288,9 +5292,10 @@
           <a:lstStyle/>
           <a:p>
             <a:r>
-              <a:rPr lang="ja-JP" altLang="en-US" sz="1400"/>
-              <a:t>クライアント</a:t>
-            </a:r>
+              <a:rPr lang="en-US" altLang="ja-JP" sz="1400" dirty="0"/>
+              <a:t>Client</a:t>
+            </a:r>
+            <a:endParaRPr lang="ja-JP" altLang="en-US" sz="1400" dirty="0"/>
           </a:p>
         </p:txBody>
       </p:sp>
@@ -5377,7 +5382,7 @@
         <p:spPr bwMode="auto">
           <a:xfrm>
             <a:off x="7467600" y="1916113"/>
-            <a:ext cx="725488" cy="276225"/>
+            <a:ext cx="580352" cy="276999"/>
           </a:xfrm>
           <a:prstGeom prst="rect">
             <a:avLst/>
@@ -5397,9 +5402,10 @@
           <a:lstStyle/>
           <a:p>
             <a:r>
-              <a:rPr lang="ja-JP" altLang="en-US" sz="1200"/>
-              <a:t>バイナリ</a:t>
-            </a:r>
+              <a:rPr lang="en-US" altLang="ja-JP" sz="1200" dirty="0"/>
+              <a:t>Binary</a:t>
+            </a:r>
+            <a:endParaRPr lang="ja-JP" altLang="en-US" sz="1200" dirty="0"/>
           </a:p>
         </p:txBody>
       </p:sp>
@@ -5408,13 +5414,6 @@
   <p:clrMapOvr>
     <a:masterClrMapping/>
   </p:clrMapOvr>
-  <p:timing>
-    <p:tnLst>
-      <p:par>
-        <p:cTn id="1" dur="indefinite" restart="never" nodeType="tmRoot"/>
-      </p:par>
-    </p:tnLst>
-  </p:timing>
 </p:sld>
 </file>
 
@@ -5726,13 +5725,18 @@
               <a:defRPr/>
             </a:pPr>
             <a:r>
-              <a:rPr lang="ja-JP" altLang="en-US" sz="1200" b="1" dirty="0">
+              <a:rPr lang="en-US" altLang="ja-JP" sz="1200" b="1" dirty="0">
                 <a:solidFill>
                   <a:schemeClr val="tx1"/>
                 </a:solidFill>
               </a:rPr>
-              <a:t>ブラウザ</a:t>
-            </a:r>
+              <a:t>Browser</a:t>
+            </a:r>
+            <a:endParaRPr lang="ja-JP" altLang="en-US" sz="1200" b="1" dirty="0">
+              <a:solidFill>
+                <a:schemeClr val="tx1"/>
+              </a:solidFill>
+            </a:endParaRPr>
           </a:p>
         </p:txBody>
       </p:sp>
@@ -5805,40 +5809,13 @@
                   <a:schemeClr val="tx1"/>
                 </a:solidFill>
               </a:rPr>
-              <a:t>HTTP</a:t>
-            </a:r>
-            <a:r>
-              <a:rPr lang="ja-JP" altLang="en-US" sz="1200" b="1" dirty="0">
-                <a:solidFill>
-                  <a:schemeClr val="tx1"/>
-                </a:solidFill>
-              </a:rPr>
-              <a:t>レスポンス</a:t>
-            </a:r>
-            <a:endParaRPr lang="en-US" altLang="ja-JP" sz="1200" b="1" dirty="0">
+              <a:t>HTTP response handler</a:t>
+            </a:r>
+            <a:endParaRPr lang="ja-JP" altLang="en-US" sz="1200" b="1" dirty="0">
               <a:solidFill>
                 <a:schemeClr val="tx1"/>
               </a:solidFill>
             </a:endParaRPr>
-          </a:p>
-          <a:p>
-            <a:pPr algn="ctr" fontAlgn="auto">
-              <a:spcBef>
-                <a:spcPts val="0"/>
-              </a:spcBef>
-              <a:spcAft>
-                <a:spcPts val="0"/>
-              </a:spcAft>
-              <a:defRPr/>
-            </a:pPr>
-            <a:r>
-              <a:rPr lang="ja-JP" altLang="en-US" sz="1200" b="1" dirty="0">
-                <a:solidFill>
-                  <a:schemeClr val="tx1"/>
-                </a:solidFill>
-              </a:rPr>
-              <a:t>ハンドラ</a:t>
-            </a:r>
           </a:p>
         </p:txBody>
       </p:sp>
@@ -5906,20 +5883,12 @@
               <a:defRPr/>
             </a:pPr>
             <a:r>
-              <a:rPr lang="ja-JP" altLang="en-US" sz="1200" b="1" dirty="0">
-                <a:solidFill>
-                  <a:schemeClr val="tx1"/>
-                </a:solidFill>
-              </a:rPr>
-              <a:t>業務</a:t>
-            </a:r>
-            <a:r>
               <a:rPr lang="en-US" altLang="ja-JP" sz="1200" b="1" dirty="0">
                 <a:solidFill>
                   <a:schemeClr val="tx1"/>
                 </a:solidFill>
               </a:rPr>
-              <a:t>Action</a:t>
+              <a:t>Business action</a:t>
             </a:r>
             <a:endParaRPr lang="ja-JP" altLang="en-US" sz="1200" b="1" dirty="0">
               <a:solidFill>
@@ -6075,13 +6044,18 @@
               <a:defRPr/>
             </a:pPr>
             <a:r>
-              <a:rPr lang="ja-JP" altLang="en-US" sz="1200" b="1" dirty="0">
+              <a:rPr lang="en-US" altLang="ja-JP" sz="1200" b="1" dirty="0">
                 <a:solidFill>
                   <a:schemeClr val="tx1"/>
                 </a:solidFill>
               </a:rPr>
-              <a:t>ファイル管理機能</a:t>
-            </a:r>
+              <a:t>File management function</a:t>
+            </a:r>
+            <a:endParaRPr lang="ja-JP" altLang="en-US" sz="1200" b="1" dirty="0">
+              <a:solidFill>
+                <a:schemeClr val="tx1"/>
+              </a:solidFill>
+            </a:endParaRPr>
           </a:p>
         </p:txBody>
       </p:sp>
@@ -6324,7 +6298,7 @@
         <p:spPr bwMode="auto">
           <a:xfrm>
             <a:off x="4457700" y="387350"/>
-            <a:ext cx="544513" cy="307975"/>
+            <a:ext cx="798617" cy="307777"/>
           </a:xfrm>
           <a:prstGeom prst="rect">
             <a:avLst/>
@@ -6344,9 +6318,10 @@
           <a:lstStyle/>
           <a:p>
             <a:r>
-              <a:rPr lang="ja-JP" altLang="en-US" sz="1400"/>
-              <a:t>業務</a:t>
-            </a:r>
+              <a:rPr lang="en-US" altLang="ja-JP" sz="1400" dirty="0"/>
+              <a:t>Business</a:t>
+            </a:r>
+            <a:endParaRPr lang="ja-JP" altLang="en-US" sz="1400" dirty="0"/>
           </a:p>
         </p:txBody>
       </p:sp>
@@ -6470,13 +6445,18 @@
               <a:defRPr/>
             </a:pPr>
             <a:r>
-              <a:rPr lang="ja-JP" altLang="en-US" sz="1200" b="1" dirty="0">
+              <a:rPr lang="en-US" altLang="ja-JP" sz="1200" b="1" dirty="0">
                 <a:solidFill>
                   <a:schemeClr val="tx1"/>
                 </a:solidFill>
               </a:rPr>
-              <a:t>サンプルで扱う範囲</a:t>
-            </a:r>
+              <a:t>Scope of sample</a:t>
+            </a:r>
+            <a:endParaRPr lang="ja-JP" altLang="en-US" sz="1200" b="1" dirty="0">
+              <a:solidFill>
+                <a:schemeClr val="tx1"/>
+              </a:solidFill>
+            </a:endParaRPr>
           </a:p>
         </p:txBody>
       </p:sp>
@@ -6536,13 +6516,18 @@
               <a:defRPr/>
             </a:pPr>
             <a:r>
-              <a:rPr lang="ja-JP" altLang="en-US" sz="1200" dirty="0">
+              <a:rPr lang="en-US" altLang="ja-JP" sz="1200" dirty="0">
                 <a:solidFill>
                   <a:schemeClr val="tx1"/>
                 </a:solidFill>
               </a:rPr>
-              <a:t>ファイル</a:t>
-            </a:r>
+              <a:t>File</a:t>
+            </a:r>
+            <a:endParaRPr lang="ja-JP" altLang="en-US" sz="1200" dirty="0">
+              <a:solidFill>
+                <a:schemeClr val="tx1"/>
+              </a:solidFill>
+            </a:endParaRPr>
           </a:p>
         </p:txBody>
       </p:sp>
@@ -6557,7 +6542,7 @@
         <p:spPr bwMode="auto">
           <a:xfrm>
             <a:off x="192088" y="417513"/>
-            <a:ext cx="1057275" cy="307975"/>
+            <a:ext cx="627095" cy="307777"/>
           </a:xfrm>
           <a:prstGeom prst="rect">
             <a:avLst/>
@@ -6577,9 +6562,10 @@
           <a:lstStyle/>
           <a:p>
             <a:r>
-              <a:rPr lang="ja-JP" altLang="en-US" sz="1400"/>
-              <a:t>クライアント</a:t>
-            </a:r>
+              <a:rPr lang="en-US" altLang="ja-JP" sz="1400" dirty="0"/>
+              <a:t>Client</a:t>
+            </a:r>
+            <a:endParaRPr lang="ja-JP" altLang="en-US" sz="1400" dirty="0"/>
           </a:p>
         </p:txBody>
       </p:sp>
@@ -6900,9 +6886,10 @@
           <a:lstStyle/>
           <a:p>
             <a:r>
-              <a:rPr lang="ja-JP" altLang="en-US" sz="1400"/>
-              <a:t>ファイル要求</a:t>
-            </a:r>
+              <a:rPr lang="en-US" altLang="ja-JP" sz="1400" dirty="0"/>
+              <a:t>File request</a:t>
+            </a:r>
+            <a:endParaRPr lang="ja-JP" altLang="en-US" sz="1400" dirty="0"/>
           </a:p>
         </p:txBody>
       </p:sp>
@@ -6989,7 +6976,7 @@
         <p:spPr bwMode="auto">
           <a:xfrm>
             <a:off x="7861300" y="1995488"/>
-            <a:ext cx="725488" cy="276225"/>
+            <a:ext cx="580352" cy="276999"/>
           </a:xfrm>
           <a:prstGeom prst="rect">
             <a:avLst/>
@@ -7009,9 +6996,10 @@
           <a:lstStyle/>
           <a:p>
             <a:r>
-              <a:rPr lang="ja-JP" altLang="en-US" sz="1200"/>
-              <a:t>バイナリ</a:t>
-            </a:r>
+              <a:rPr lang="en-US" altLang="ja-JP" sz="1200" dirty="0"/>
+              <a:t>Binary</a:t>
+            </a:r>
+            <a:endParaRPr lang="ja-JP" altLang="en-US" sz="1200" dirty="0"/>
           </a:p>
         </p:txBody>
       </p:sp>
@@ -7062,7 +7050,7 @@
         <p:spPr bwMode="auto">
           <a:xfrm>
             <a:off x="7129463" y="592138"/>
-            <a:ext cx="1219200" cy="307975"/>
+            <a:ext cx="1346200" cy="307777"/>
           </a:xfrm>
           <a:prstGeom prst="rect">
             <a:avLst/>
@@ -7076,15 +7064,16 @@
           </a:ln>
         </p:spPr>
         <p:txBody>
-          <a:bodyPr>
+          <a:bodyPr wrap="square">
             <a:spAutoFit/>
           </a:bodyPr>
           <a:lstStyle/>
           <a:p>
             <a:r>
-              <a:rPr lang="ja-JP" altLang="en-US" sz="1400"/>
-              <a:t>レコード要求</a:t>
-            </a:r>
+              <a:rPr lang="en-US" altLang="ja-JP" sz="1400" dirty="0"/>
+              <a:t>Record request</a:t>
+            </a:r>
+            <a:endParaRPr lang="ja-JP" altLang="en-US" sz="1400" dirty="0"/>
           </a:p>
         </p:txBody>
       </p:sp>
@@ -7093,13 +7082,6 @@
   <p:clrMapOvr>
     <a:masterClrMapping/>
   </p:clrMapOvr>
-  <p:timing>
-    <p:tnLst>
-      <p:par>
-        <p:cTn id="1" dur="indefinite" restart="never" nodeType="tmRoot"/>
-      </p:par>
-    </p:tnLst>
-  </p:timing>
 </p:sld>
 </file>
 
